--- a/assets/media/information.pptx
+++ b/assets/media/information.pptx
@@ -104,6 +104,11 @@
       </a:defRPr>
     </a:lvl9pPr>
   </p:defaultTextStyle>
+  <p:extLst>
+    <p:ext uri="{EFAFB233-063F-42B5-8137-9DF3F51BA10A}">
+      <p15:sldGuideLst xmlns:p15="http://schemas.microsoft.com/office/powerpoint/2012/main"/>
+    </p:ext>
+  </p:extLst>
 </p:presentation>
 </file>
 
@@ -3118,6 +3123,42 @@
           </a:prstGeom>
         </p:spPr>
       </p:pic>
+      <p:sp>
+        <p:nvSpPr>
+          <p:cNvPr id="2" name="文本框 1">
+            <a:extLst>
+              <a:ext uri="{FF2B5EF4-FFF2-40B4-BE49-F238E27FC236}">
+                <a16:creationId xmlns:a16="http://schemas.microsoft.com/office/drawing/2014/main" id="{2C0478E1-4817-5163-35C7-DAF68079B9E3}"/>
+              </a:ext>
+            </a:extLst>
+          </p:cNvPr>
+          <p:cNvSpPr txBox="1"/>
+          <p:nvPr/>
+        </p:nvSpPr>
+        <p:spPr>
+          <a:xfrm>
+            <a:off x="8409637" y="3626498"/>
+            <a:ext cx="2430504" cy="369332"/>
+          </a:xfrm>
+          <a:prstGeom prst="rect">
+            <a:avLst/>
+          </a:prstGeom>
+          <a:noFill/>
+        </p:spPr>
+        <p:txBody>
+          <a:bodyPr wrap="square" rtlCol="0">
+            <a:spAutoFit/>
+          </a:bodyPr>
+          <a:lstStyle/>
+          <a:p>
+            <a:r>
+              <a:rPr lang="en-US" altLang="zh-CN" b="1" i="1" dirty="0"/>
+              <a:t>William &amp; Beer, 2010</a:t>
+            </a:r>
+            <a:endParaRPr lang="zh-CN" altLang="en-US" b="1" i="1" dirty="0"/>
+          </a:p>
+        </p:txBody>
+      </p:sp>
     </p:spTree>
     <p:extLst>
       <p:ext uri="{BB962C8B-B14F-4D97-AF65-F5344CB8AC3E}">

--- a/assets/media/information.pptx
+++ b/assets/media/information.pptx
@@ -243,7 +243,7 @@
           <a:p>
             <a:fld id="{4E060E1D-A4A4-4902-AF8B-E8951BA54CFF}" type="datetimeFigureOut">
               <a:rPr lang="zh-CN" altLang="en-US" smtClean="0"/>
-              <a:t>2022/6/22</a:t>
+              <a:t>2022/6/23</a:t>
             </a:fld>
             <a:endParaRPr lang="zh-CN" altLang="en-US"/>
           </a:p>
@@ -413,7 +413,7 @@
           <a:p>
             <a:fld id="{4E060E1D-A4A4-4902-AF8B-E8951BA54CFF}" type="datetimeFigureOut">
               <a:rPr lang="zh-CN" altLang="en-US" smtClean="0"/>
-              <a:t>2022/6/22</a:t>
+              <a:t>2022/6/23</a:t>
             </a:fld>
             <a:endParaRPr lang="zh-CN" altLang="en-US"/>
           </a:p>
@@ -593,7 +593,7 @@
           <a:p>
             <a:fld id="{4E060E1D-A4A4-4902-AF8B-E8951BA54CFF}" type="datetimeFigureOut">
               <a:rPr lang="zh-CN" altLang="en-US" smtClean="0"/>
-              <a:t>2022/6/22</a:t>
+              <a:t>2022/6/23</a:t>
             </a:fld>
             <a:endParaRPr lang="zh-CN" altLang="en-US"/>
           </a:p>
@@ -763,7 +763,7 @@
           <a:p>
             <a:fld id="{4E060E1D-A4A4-4902-AF8B-E8951BA54CFF}" type="datetimeFigureOut">
               <a:rPr lang="zh-CN" altLang="en-US" smtClean="0"/>
-              <a:t>2022/6/22</a:t>
+              <a:t>2022/6/23</a:t>
             </a:fld>
             <a:endParaRPr lang="zh-CN" altLang="en-US"/>
           </a:p>
@@ -1009,7 +1009,7 @@
           <a:p>
             <a:fld id="{4E060E1D-A4A4-4902-AF8B-E8951BA54CFF}" type="datetimeFigureOut">
               <a:rPr lang="zh-CN" altLang="en-US" smtClean="0"/>
-              <a:t>2022/6/22</a:t>
+              <a:t>2022/6/23</a:t>
             </a:fld>
             <a:endParaRPr lang="zh-CN" altLang="en-US"/>
           </a:p>
@@ -1241,7 +1241,7 @@
           <a:p>
             <a:fld id="{4E060E1D-A4A4-4902-AF8B-E8951BA54CFF}" type="datetimeFigureOut">
               <a:rPr lang="zh-CN" altLang="en-US" smtClean="0"/>
-              <a:t>2022/6/22</a:t>
+              <a:t>2022/6/23</a:t>
             </a:fld>
             <a:endParaRPr lang="zh-CN" altLang="en-US"/>
           </a:p>
@@ -1608,7 +1608,7 @@
           <a:p>
             <a:fld id="{4E060E1D-A4A4-4902-AF8B-E8951BA54CFF}" type="datetimeFigureOut">
               <a:rPr lang="zh-CN" altLang="en-US" smtClean="0"/>
-              <a:t>2022/6/22</a:t>
+              <a:t>2022/6/23</a:t>
             </a:fld>
             <a:endParaRPr lang="zh-CN" altLang="en-US"/>
           </a:p>
@@ -1726,7 +1726,7 @@
           <a:p>
             <a:fld id="{4E060E1D-A4A4-4902-AF8B-E8951BA54CFF}" type="datetimeFigureOut">
               <a:rPr lang="zh-CN" altLang="en-US" smtClean="0"/>
-              <a:t>2022/6/22</a:t>
+              <a:t>2022/6/23</a:t>
             </a:fld>
             <a:endParaRPr lang="zh-CN" altLang="en-US"/>
           </a:p>
@@ -1821,7 +1821,7 @@
           <a:p>
             <a:fld id="{4E060E1D-A4A4-4902-AF8B-E8951BA54CFF}" type="datetimeFigureOut">
               <a:rPr lang="zh-CN" altLang="en-US" smtClean="0"/>
-              <a:t>2022/6/22</a:t>
+              <a:t>2022/6/23</a:t>
             </a:fld>
             <a:endParaRPr lang="zh-CN" altLang="en-US"/>
           </a:p>
@@ -2098,7 +2098,7 @@
           <a:p>
             <a:fld id="{4E060E1D-A4A4-4902-AF8B-E8951BA54CFF}" type="datetimeFigureOut">
               <a:rPr lang="zh-CN" altLang="en-US" smtClean="0"/>
-              <a:t>2022/6/22</a:t>
+              <a:t>2022/6/23</a:t>
             </a:fld>
             <a:endParaRPr lang="zh-CN" altLang="en-US"/>
           </a:p>
@@ -2355,7 +2355,7 @@
           <a:p>
             <a:fld id="{4E060E1D-A4A4-4902-AF8B-E8951BA54CFF}" type="datetimeFigureOut">
               <a:rPr lang="zh-CN" altLang="en-US" smtClean="0"/>
-              <a:t>2022/6/22</a:t>
+              <a:t>2022/6/23</a:t>
             </a:fld>
             <a:endParaRPr lang="zh-CN" altLang="en-US"/>
           </a:p>
@@ -2568,7 +2568,7 @@
           <a:p>
             <a:fld id="{4E060E1D-A4A4-4902-AF8B-E8951BA54CFF}" type="datetimeFigureOut">
               <a:rPr lang="zh-CN" altLang="en-US" smtClean="0"/>
-              <a:t>2022/6/22</a:t>
+              <a:t>2022/6/23</a:t>
             </a:fld>
             <a:endParaRPr lang="zh-CN" altLang="en-US"/>
           </a:p>
@@ -3055,7 +3055,7 @@
         </p:blipFill>
         <p:spPr>
           <a:xfrm>
-            <a:off x="5531974" y="242887"/>
+            <a:off x="5447687" y="387714"/>
             <a:ext cx="2493940" cy="1709261"/>
           </a:xfrm>
           <a:prstGeom prst="rect">
@@ -3085,7 +3085,7 @@
         </p:blipFill>
         <p:spPr>
           <a:xfrm>
-            <a:off x="5833696" y="2057129"/>
+            <a:off x="5908661" y="2042842"/>
             <a:ext cx="1571991" cy="1707083"/>
           </a:xfrm>
           <a:prstGeom prst="rect">
@@ -3115,8 +3115,8 @@
         </p:blipFill>
         <p:spPr>
           <a:xfrm>
-            <a:off x="3262313" y="603445"/>
-            <a:ext cx="2449850" cy="3207719"/>
+            <a:off x="3218223" y="545717"/>
+            <a:ext cx="2493940" cy="3265448"/>
           </a:xfrm>
           <a:prstGeom prst="rect">
             <a:avLst/>

--- a/assets/media/information.pptx
+++ b/assets/media/information.pptx
@@ -2995,7 +2995,7 @@
         </p:blipFill>
         <p:spPr>
           <a:xfrm>
-            <a:off x="7677150" y="387715"/>
+            <a:off x="7677150" y="488387"/>
             <a:ext cx="3428037" cy="3108910"/>
           </a:xfrm>
           <a:prstGeom prst="rect">
@@ -3137,7 +3137,7 @@
         </p:nvSpPr>
         <p:spPr>
           <a:xfrm>
-            <a:off x="8409637" y="3626498"/>
+            <a:off x="8352487" y="3513304"/>
             <a:ext cx="2430504" cy="369332"/>
           </a:xfrm>
           <a:prstGeom prst="rect">

--- a/assets/media/information.pptx
+++ b/assets/media/information.pptx
@@ -2973,12 +2973,1679 @@
           <a:chExt cx="0" cy="0"/>
         </a:xfrm>
       </p:grpSpPr>
+      <p:grpSp>
+        <p:nvGrpSpPr>
+          <p:cNvPr id="60" name="组合 59">
+            <a:extLst>
+              <a:ext uri="{FF2B5EF4-FFF2-40B4-BE49-F238E27FC236}">
+                <a16:creationId xmlns:a16="http://schemas.microsoft.com/office/drawing/2014/main" id="{6F998C61-D0D9-7166-B660-A26209BD2529}"/>
+              </a:ext>
+            </a:extLst>
+          </p:cNvPr>
+          <p:cNvGrpSpPr/>
+          <p:nvPr/>
+        </p:nvGrpSpPr>
+        <p:grpSpPr>
+          <a:xfrm>
+            <a:off x="4314494" y="1994924"/>
+            <a:ext cx="3587037" cy="1966569"/>
+            <a:chOff x="143941" y="612821"/>
+            <a:chExt cx="5780163" cy="3172230"/>
+          </a:xfrm>
+        </p:grpSpPr>
+        <p:grpSp>
+          <p:nvGrpSpPr>
+            <p:cNvPr id="16" name="组合 15">
+              <a:extLst>
+                <a:ext uri="{FF2B5EF4-FFF2-40B4-BE49-F238E27FC236}">
+                  <a16:creationId xmlns:a16="http://schemas.microsoft.com/office/drawing/2014/main" id="{363A75EE-020B-E99D-D910-8295BFB2B34F}"/>
+                </a:ext>
+              </a:extLst>
+            </p:cNvPr>
+            <p:cNvGrpSpPr/>
+            <p:nvPr/>
+          </p:nvGrpSpPr>
+          <p:grpSpPr>
+            <a:xfrm>
+              <a:off x="143941" y="612821"/>
+              <a:ext cx="2606928" cy="2656528"/>
+              <a:chOff x="694195" y="423525"/>
+              <a:chExt cx="3041555" cy="3104418"/>
+            </a:xfrm>
+          </p:grpSpPr>
+          <p:sp>
+            <p:nvSpPr>
+              <p:cNvPr id="15" name="椭圆 14">
+                <a:extLst>
+                  <a:ext uri="{FF2B5EF4-FFF2-40B4-BE49-F238E27FC236}">
+                    <a16:creationId xmlns:a16="http://schemas.microsoft.com/office/drawing/2014/main" id="{97FB5CEC-FD68-21C2-7245-1D98D6958379}"/>
+                  </a:ext>
+                </a:extLst>
+              </p:cNvPr>
+              <p:cNvSpPr/>
+              <p:nvPr/>
+            </p:nvSpPr>
+            <p:spPr>
+              <a:xfrm rot="18159636">
+                <a:off x="662764" y="454956"/>
+                <a:ext cx="3104418" cy="3041555"/>
+              </a:xfrm>
+              <a:prstGeom prst="ellipse">
+                <a:avLst/>
+              </a:prstGeom>
+              <a:solidFill>
+                <a:srgbClr val="FF0000">
+                  <a:alpha val="56000"/>
+                </a:srgbClr>
+              </a:solidFill>
+              <a:ln w="19050">
+                <a:solidFill>
+                  <a:schemeClr val="tx1"/>
+                </a:solidFill>
+              </a:ln>
+            </p:spPr>
+            <p:style>
+              <a:lnRef idx="2">
+                <a:schemeClr val="accent1">
+                  <a:shade val="50000"/>
+                </a:schemeClr>
+              </a:lnRef>
+              <a:fillRef idx="1">
+                <a:schemeClr val="accent1"/>
+              </a:fillRef>
+              <a:effectRef idx="0">
+                <a:schemeClr val="accent1"/>
+              </a:effectRef>
+              <a:fontRef idx="minor">
+                <a:schemeClr val="lt1"/>
+              </a:fontRef>
+            </p:style>
+            <p:txBody>
+              <a:bodyPr rtlCol="0" anchor="ctr"/>
+              <a:lstStyle/>
+              <a:p>
+                <a:pPr algn="ctr"/>
+                <a:endParaRPr lang="zh-CN" altLang="en-US"/>
+              </a:p>
+            </p:txBody>
+          </p:sp>
+          <p:grpSp>
+            <p:nvGrpSpPr>
+              <p:cNvPr id="8" name="组合 7">
+                <a:extLst>
+                  <a:ext uri="{FF2B5EF4-FFF2-40B4-BE49-F238E27FC236}">
+                    <a16:creationId xmlns:a16="http://schemas.microsoft.com/office/drawing/2014/main" id="{F120D77B-ED48-8E3A-0A23-D75D4397F432}"/>
+                  </a:ext>
+                </a:extLst>
+              </p:cNvPr>
+              <p:cNvGrpSpPr/>
+              <p:nvPr/>
+            </p:nvGrpSpPr>
+            <p:grpSpPr>
+              <a:xfrm>
+                <a:off x="807822" y="671952"/>
+                <a:ext cx="2741779" cy="2741779"/>
+                <a:chOff x="807822" y="671952"/>
+                <a:chExt cx="2741779" cy="2741779"/>
+              </a:xfrm>
+            </p:grpSpPr>
+            <p:sp>
+              <p:nvSpPr>
+                <p:cNvPr id="14" name="椭圆 13">
+                  <a:extLst>
+                    <a:ext uri="{FF2B5EF4-FFF2-40B4-BE49-F238E27FC236}">
+                      <a16:creationId xmlns:a16="http://schemas.microsoft.com/office/drawing/2014/main" id="{E76BCAF4-3A1D-8443-2BE8-47002F942C87}"/>
+                    </a:ext>
+                  </a:extLst>
+                </p:cNvPr>
+                <p:cNvSpPr/>
+                <p:nvPr/>
+              </p:nvSpPr>
+              <p:spPr>
+                <a:xfrm rot="16200000">
+                  <a:off x="1571493" y="452551"/>
+                  <a:ext cx="1214438" cy="2741779"/>
+                </a:xfrm>
+                <a:prstGeom prst="ellipse">
+                  <a:avLst/>
+                </a:prstGeom>
+                <a:solidFill>
+                  <a:srgbClr val="92D050">
+                    <a:alpha val="67000"/>
+                  </a:srgbClr>
+                </a:solidFill>
+                <a:ln w="19050">
+                  <a:solidFill>
+                    <a:schemeClr val="tx1"/>
+                  </a:solidFill>
+                </a:ln>
+              </p:spPr>
+              <p:style>
+                <a:lnRef idx="2">
+                  <a:schemeClr val="accent1">
+                    <a:shade val="50000"/>
+                  </a:schemeClr>
+                </a:lnRef>
+                <a:fillRef idx="1">
+                  <a:schemeClr val="accent1"/>
+                </a:fillRef>
+                <a:effectRef idx="0">
+                  <a:schemeClr val="accent1"/>
+                </a:effectRef>
+                <a:fontRef idx="minor">
+                  <a:schemeClr val="lt1"/>
+                </a:fontRef>
+              </p:style>
+              <p:txBody>
+                <a:bodyPr rtlCol="0" anchor="ctr"/>
+                <a:lstStyle/>
+                <a:p>
+                  <a:pPr algn="ctr"/>
+                  <a:endParaRPr lang="zh-CN" altLang="en-US"/>
+                </a:p>
+              </p:txBody>
+            </p:sp>
+            <p:sp>
+              <p:nvSpPr>
+                <p:cNvPr id="5" name="椭圆 4">
+                  <a:extLst>
+                    <a:ext uri="{FF2B5EF4-FFF2-40B4-BE49-F238E27FC236}">
+                      <a16:creationId xmlns:a16="http://schemas.microsoft.com/office/drawing/2014/main" id="{70AB8189-2567-5214-8951-A5E95DC84930}"/>
+                    </a:ext>
+                  </a:extLst>
+                </p:cNvPr>
+                <p:cNvSpPr/>
+                <p:nvPr/>
+              </p:nvSpPr>
+              <p:spPr>
+                <a:xfrm rot="12584026">
+                  <a:off x="1774205" y="671952"/>
+                  <a:ext cx="1214438" cy="2741779"/>
+                </a:xfrm>
+                <a:prstGeom prst="ellipse">
+                  <a:avLst/>
+                </a:prstGeom>
+                <a:solidFill>
+                  <a:srgbClr val="92D050">
+                    <a:alpha val="67000"/>
+                  </a:srgbClr>
+                </a:solidFill>
+                <a:ln w="19050">
+                  <a:solidFill>
+                    <a:schemeClr val="tx1"/>
+                  </a:solidFill>
+                </a:ln>
+              </p:spPr>
+              <p:style>
+                <a:lnRef idx="2">
+                  <a:schemeClr val="accent1">
+                    <a:shade val="50000"/>
+                  </a:schemeClr>
+                </a:lnRef>
+                <a:fillRef idx="1">
+                  <a:schemeClr val="accent1"/>
+                </a:fillRef>
+                <a:effectRef idx="0">
+                  <a:schemeClr val="accent1"/>
+                </a:effectRef>
+                <a:fontRef idx="minor">
+                  <a:schemeClr val="lt1"/>
+                </a:fontRef>
+              </p:style>
+              <p:txBody>
+                <a:bodyPr rtlCol="0" anchor="ctr"/>
+                <a:lstStyle/>
+                <a:p>
+                  <a:pPr algn="ctr"/>
+                  <a:endParaRPr lang="zh-CN" altLang="en-US"/>
+                </a:p>
+              </p:txBody>
+            </p:sp>
+            <p:sp>
+              <p:nvSpPr>
+                <p:cNvPr id="13" name="椭圆 12">
+                  <a:extLst>
+                    <a:ext uri="{FF2B5EF4-FFF2-40B4-BE49-F238E27FC236}">
+                      <a16:creationId xmlns:a16="http://schemas.microsoft.com/office/drawing/2014/main" id="{56BAC729-EC72-3F6E-051B-B5622D60E691}"/>
+                    </a:ext>
+                  </a:extLst>
+                </p:cNvPr>
+                <p:cNvSpPr/>
+                <p:nvPr/>
+              </p:nvSpPr>
+              <p:spPr>
+                <a:xfrm rot="8610416">
+                  <a:off x="1512245" y="671952"/>
+                  <a:ext cx="1214438" cy="2741779"/>
+                </a:xfrm>
+                <a:prstGeom prst="ellipse">
+                  <a:avLst/>
+                </a:prstGeom>
+                <a:solidFill>
+                  <a:srgbClr val="92D050">
+                    <a:alpha val="67000"/>
+                  </a:srgbClr>
+                </a:solidFill>
+                <a:ln w="19050">
+                  <a:solidFill>
+                    <a:schemeClr val="tx1"/>
+                  </a:solidFill>
+                </a:ln>
+              </p:spPr>
+              <p:style>
+                <a:lnRef idx="2">
+                  <a:schemeClr val="accent1">
+                    <a:shade val="50000"/>
+                  </a:schemeClr>
+                </a:lnRef>
+                <a:fillRef idx="1">
+                  <a:schemeClr val="accent1"/>
+                </a:fillRef>
+                <a:effectRef idx="0">
+                  <a:schemeClr val="accent1"/>
+                </a:effectRef>
+                <a:fontRef idx="minor">
+                  <a:schemeClr val="lt1"/>
+                </a:fontRef>
+              </p:style>
+              <p:txBody>
+                <a:bodyPr rtlCol="0" anchor="ctr"/>
+                <a:lstStyle/>
+                <a:p>
+                  <a:pPr algn="ctr"/>
+                  <a:endParaRPr lang="zh-CN" altLang="en-US"/>
+                </a:p>
+              </p:txBody>
+            </p:sp>
+            <p:grpSp>
+              <p:nvGrpSpPr>
+                <p:cNvPr id="4" name="组合 3">
+                  <a:extLst>
+                    <a:ext uri="{FF2B5EF4-FFF2-40B4-BE49-F238E27FC236}">
+                      <a16:creationId xmlns:a16="http://schemas.microsoft.com/office/drawing/2014/main" id="{54B5036F-3E76-AFCB-97A7-18B45DE7FE7C}"/>
+                    </a:ext>
+                  </a:extLst>
+                </p:cNvPr>
+                <p:cNvGrpSpPr/>
+                <p:nvPr/>
+              </p:nvGrpSpPr>
+              <p:grpSpPr>
+                <a:xfrm rot="10800000">
+                  <a:off x="1416943" y="1304779"/>
+                  <a:ext cx="1605019" cy="1462375"/>
+                  <a:chOff x="1159669" y="1071563"/>
+                  <a:chExt cx="1695450" cy="1579959"/>
+                </a:xfrm>
+              </p:grpSpPr>
+              <p:sp>
+                <p:nvSpPr>
+                  <p:cNvPr id="3" name="椭圆 2">
+                    <a:extLst>
+                      <a:ext uri="{FF2B5EF4-FFF2-40B4-BE49-F238E27FC236}">
+                        <a16:creationId xmlns:a16="http://schemas.microsoft.com/office/drawing/2014/main" id="{3919EE52-2560-087C-F9AA-90569D78F5FA}"/>
+                      </a:ext>
+                    </a:extLst>
+                  </p:cNvPr>
+                  <p:cNvSpPr/>
+                  <p:nvPr/>
+                </p:nvSpPr>
+                <p:spPr>
+                  <a:xfrm>
+                    <a:off x="1521619" y="1071563"/>
+                    <a:ext cx="971550" cy="964406"/>
+                  </a:xfrm>
+                  <a:prstGeom prst="ellipse">
+                    <a:avLst/>
+                  </a:prstGeom>
+                  <a:solidFill>
+                    <a:srgbClr val="00B0F0">
+                      <a:alpha val="67000"/>
+                    </a:srgbClr>
+                  </a:solidFill>
+                  <a:ln w="19050">
+                    <a:solidFill>
+                      <a:schemeClr val="tx1"/>
+                    </a:solidFill>
+                  </a:ln>
+                </p:spPr>
+                <p:style>
+                  <a:lnRef idx="2">
+                    <a:schemeClr val="accent1">
+                      <a:shade val="50000"/>
+                    </a:schemeClr>
+                  </a:lnRef>
+                  <a:fillRef idx="1">
+                    <a:schemeClr val="accent1"/>
+                  </a:fillRef>
+                  <a:effectRef idx="0">
+                    <a:schemeClr val="accent1"/>
+                  </a:effectRef>
+                  <a:fontRef idx="minor">
+                    <a:schemeClr val="lt1"/>
+                  </a:fontRef>
+                </p:style>
+                <p:txBody>
+                  <a:bodyPr rtlCol="0" anchor="ctr"/>
+                  <a:lstStyle/>
+                  <a:p>
+                    <a:pPr algn="ctr"/>
+                    <a:endParaRPr lang="zh-CN" altLang="en-US"/>
+                  </a:p>
+                </p:txBody>
+              </p:sp>
+              <p:sp>
+                <p:nvSpPr>
+                  <p:cNvPr id="10" name="椭圆 9">
+                    <a:extLst>
+                      <a:ext uri="{FF2B5EF4-FFF2-40B4-BE49-F238E27FC236}">
+                        <a16:creationId xmlns:a16="http://schemas.microsoft.com/office/drawing/2014/main" id="{767F4468-6D8C-48A7-9BD8-2A9AB60B33D0}"/>
+                      </a:ext>
+                    </a:extLst>
+                  </p:cNvPr>
+                  <p:cNvSpPr/>
+                  <p:nvPr/>
+                </p:nvSpPr>
+                <p:spPr>
+                  <a:xfrm>
+                    <a:off x="1159669" y="1687116"/>
+                    <a:ext cx="971550" cy="964406"/>
+                  </a:xfrm>
+                  <a:prstGeom prst="ellipse">
+                    <a:avLst/>
+                  </a:prstGeom>
+                  <a:solidFill>
+                    <a:srgbClr val="00B0F0">
+                      <a:alpha val="67000"/>
+                    </a:srgbClr>
+                  </a:solidFill>
+                  <a:ln w="19050">
+                    <a:solidFill>
+                      <a:schemeClr val="tx1"/>
+                    </a:solidFill>
+                  </a:ln>
+                </p:spPr>
+                <p:style>
+                  <a:lnRef idx="2">
+                    <a:schemeClr val="accent1">
+                      <a:shade val="50000"/>
+                    </a:schemeClr>
+                  </a:lnRef>
+                  <a:fillRef idx="1">
+                    <a:schemeClr val="accent1"/>
+                  </a:fillRef>
+                  <a:effectRef idx="0">
+                    <a:schemeClr val="accent1"/>
+                  </a:effectRef>
+                  <a:fontRef idx="minor">
+                    <a:schemeClr val="lt1"/>
+                  </a:fontRef>
+                </p:style>
+                <p:txBody>
+                  <a:bodyPr rtlCol="0" anchor="ctr"/>
+                  <a:lstStyle/>
+                  <a:p>
+                    <a:pPr algn="ctr"/>
+                    <a:endParaRPr lang="zh-CN" altLang="en-US"/>
+                  </a:p>
+                </p:txBody>
+              </p:sp>
+              <p:sp>
+                <p:nvSpPr>
+                  <p:cNvPr id="12" name="椭圆 11">
+                    <a:extLst>
+                      <a:ext uri="{FF2B5EF4-FFF2-40B4-BE49-F238E27FC236}">
+                        <a16:creationId xmlns:a16="http://schemas.microsoft.com/office/drawing/2014/main" id="{E46DC7FF-DD66-FBFA-9D95-0AFF3723D1DB}"/>
+                      </a:ext>
+                    </a:extLst>
+                  </p:cNvPr>
+                  <p:cNvSpPr/>
+                  <p:nvPr/>
+                </p:nvSpPr>
+                <p:spPr>
+                  <a:xfrm>
+                    <a:off x="1883569" y="1676401"/>
+                    <a:ext cx="971550" cy="964406"/>
+                  </a:xfrm>
+                  <a:prstGeom prst="ellipse">
+                    <a:avLst/>
+                  </a:prstGeom>
+                  <a:solidFill>
+                    <a:srgbClr val="00B0F0">
+                      <a:alpha val="67000"/>
+                    </a:srgbClr>
+                  </a:solidFill>
+                  <a:ln w="19050">
+                    <a:solidFill>
+                      <a:schemeClr val="tx1"/>
+                    </a:solidFill>
+                  </a:ln>
+                </p:spPr>
+                <p:style>
+                  <a:lnRef idx="2">
+                    <a:schemeClr val="accent1">
+                      <a:shade val="50000"/>
+                    </a:schemeClr>
+                  </a:lnRef>
+                  <a:fillRef idx="1">
+                    <a:schemeClr val="accent1"/>
+                  </a:fillRef>
+                  <a:effectRef idx="0">
+                    <a:schemeClr val="accent1"/>
+                  </a:effectRef>
+                  <a:fontRef idx="minor">
+                    <a:schemeClr val="lt1"/>
+                  </a:fontRef>
+                </p:style>
+                <p:txBody>
+                  <a:bodyPr rtlCol="0" anchor="ctr"/>
+                  <a:lstStyle/>
+                  <a:p>
+                    <a:pPr algn="ctr"/>
+                    <a:endParaRPr lang="zh-CN" altLang="en-US" dirty="0"/>
+                  </a:p>
+                </p:txBody>
+              </p:sp>
+            </p:grpSp>
+          </p:grpSp>
+        </p:grpSp>
+        <p:grpSp>
+          <p:nvGrpSpPr>
+            <p:cNvPr id="25" name="组合 24">
+              <a:extLst>
+                <a:ext uri="{FF2B5EF4-FFF2-40B4-BE49-F238E27FC236}">
+                  <a16:creationId xmlns:a16="http://schemas.microsoft.com/office/drawing/2014/main" id="{CBDCAA1D-AD9D-0695-0480-63583E88279C}"/>
+                </a:ext>
+              </a:extLst>
+            </p:cNvPr>
+            <p:cNvGrpSpPr/>
+            <p:nvPr/>
+          </p:nvGrpSpPr>
+          <p:grpSpPr>
+            <a:xfrm rot="10800000">
+              <a:off x="3853844" y="1589844"/>
+              <a:ext cx="1333260" cy="1150860"/>
+              <a:chOff x="1159669" y="1071563"/>
+              <a:chExt cx="1695450" cy="1579959"/>
+            </a:xfrm>
+          </p:grpSpPr>
+          <p:sp>
+            <p:nvSpPr>
+              <p:cNvPr id="26" name="椭圆 25">
+                <a:extLst>
+                  <a:ext uri="{FF2B5EF4-FFF2-40B4-BE49-F238E27FC236}">
+                    <a16:creationId xmlns:a16="http://schemas.microsoft.com/office/drawing/2014/main" id="{59E4F825-9A94-2F41-ED72-3F2DBFCAE372}"/>
+                  </a:ext>
+                </a:extLst>
+              </p:cNvPr>
+              <p:cNvSpPr/>
+              <p:nvPr/>
+            </p:nvSpPr>
+            <p:spPr>
+              <a:xfrm>
+                <a:off x="1521619" y="1071563"/>
+                <a:ext cx="971550" cy="964406"/>
+              </a:xfrm>
+              <a:prstGeom prst="ellipse">
+                <a:avLst/>
+              </a:prstGeom>
+              <a:solidFill>
+                <a:srgbClr val="00B0F0">
+                  <a:alpha val="67000"/>
+                </a:srgbClr>
+              </a:solidFill>
+              <a:ln w="19050">
+                <a:solidFill>
+                  <a:schemeClr val="tx1"/>
+                </a:solidFill>
+              </a:ln>
+            </p:spPr>
+            <p:style>
+              <a:lnRef idx="2">
+                <a:schemeClr val="accent1">
+                  <a:shade val="50000"/>
+                </a:schemeClr>
+              </a:lnRef>
+              <a:fillRef idx="1">
+                <a:schemeClr val="accent1"/>
+              </a:fillRef>
+              <a:effectRef idx="0">
+                <a:schemeClr val="accent1"/>
+              </a:effectRef>
+              <a:fontRef idx="minor">
+                <a:schemeClr val="lt1"/>
+              </a:fontRef>
+            </p:style>
+            <p:txBody>
+              <a:bodyPr rtlCol="0" anchor="ctr"/>
+              <a:lstStyle/>
+              <a:p>
+                <a:pPr algn="ctr"/>
+                <a:endParaRPr lang="zh-CN" altLang="en-US"/>
+              </a:p>
+            </p:txBody>
+          </p:sp>
+          <p:sp>
+            <p:nvSpPr>
+              <p:cNvPr id="28" name="椭圆 27">
+                <a:extLst>
+                  <a:ext uri="{FF2B5EF4-FFF2-40B4-BE49-F238E27FC236}">
+                    <a16:creationId xmlns:a16="http://schemas.microsoft.com/office/drawing/2014/main" id="{E7033A57-0CEB-0068-6298-6B23A8488AA0}"/>
+                  </a:ext>
+                </a:extLst>
+              </p:cNvPr>
+              <p:cNvSpPr/>
+              <p:nvPr/>
+            </p:nvSpPr>
+            <p:spPr>
+              <a:xfrm>
+                <a:off x="1159669" y="1687116"/>
+                <a:ext cx="971550" cy="964406"/>
+              </a:xfrm>
+              <a:prstGeom prst="ellipse">
+                <a:avLst/>
+              </a:prstGeom>
+              <a:solidFill>
+                <a:srgbClr val="00B0F0">
+                  <a:alpha val="67000"/>
+                </a:srgbClr>
+              </a:solidFill>
+              <a:ln w="19050">
+                <a:solidFill>
+                  <a:schemeClr val="tx1"/>
+                </a:solidFill>
+              </a:ln>
+            </p:spPr>
+            <p:style>
+              <a:lnRef idx="2">
+                <a:schemeClr val="accent1">
+                  <a:shade val="50000"/>
+                </a:schemeClr>
+              </a:lnRef>
+              <a:fillRef idx="1">
+                <a:schemeClr val="accent1"/>
+              </a:fillRef>
+              <a:effectRef idx="0">
+                <a:schemeClr val="accent1"/>
+              </a:effectRef>
+              <a:fontRef idx="minor">
+                <a:schemeClr val="lt1"/>
+              </a:fontRef>
+            </p:style>
+            <p:txBody>
+              <a:bodyPr rtlCol="0" anchor="ctr"/>
+              <a:lstStyle/>
+              <a:p>
+                <a:pPr algn="ctr"/>
+                <a:endParaRPr lang="zh-CN" altLang="en-US"/>
+              </a:p>
+            </p:txBody>
+          </p:sp>
+          <p:sp>
+            <p:nvSpPr>
+              <p:cNvPr id="29" name="椭圆 28">
+                <a:extLst>
+                  <a:ext uri="{FF2B5EF4-FFF2-40B4-BE49-F238E27FC236}">
+                    <a16:creationId xmlns:a16="http://schemas.microsoft.com/office/drawing/2014/main" id="{79C685E5-AFD8-F020-2DA6-37AF67EC8357}"/>
+                  </a:ext>
+                </a:extLst>
+              </p:cNvPr>
+              <p:cNvSpPr/>
+              <p:nvPr/>
+            </p:nvSpPr>
+            <p:spPr>
+              <a:xfrm>
+                <a:off x="1883569" y="1676401"/>
+                <a:ext cx="971550" cy="964406"/>
+              </a:xfrm>
+              <a:prstGeom prst="ellipse">
+                <a:avLst/>
+              </a:prstGeom>
+              <a:solidFill>
+                <a:srgbClr val="00B0F0">
+                  <a:alpha val="67000"/>
+                </a:srgbClr>
+              </a:solidFill>
+              <a:ln w="19050">
+                <a:solidFill>
+                  <a:schemeClr val="tx1"/>
+                </a:solidFill>
+              </a:ln>
+            </p:spPr>
+            <p:style>
+              <a:lnRef idx="2">
+                <a:schemeClr val="accent1">
+                  <a:shade val="50000"/>
+                </a:schemeClr>
+              </a:lnRef>
+              <a:fillRef idx="1">
+                <a:schemeClr val="accent1"/>
+              </a:fillRef>
+              <a:effectRef idx="0">
+                <a:schemeClr val="accent1"/>
+              </a:effectRef>
+              <a:fontRef idx="minor">
+                <a:schemeClr val="lt1"/>
+              </a:fontRef>
+            </p:style>
+            <p:txBody>
+              <a:bodyPr rtlCol="0" anchor="ctr"/>
+              <a:lstStyle/>
+              <a:p>
+                <a:pPr algn="ctr"/>
+                <a:endParaRPr lang="zh-CN" altLang="en-US" dirty="0"/>
+              </a:p>
+            </p:txBody>
+          </p:sp>
+        </p:grpSp>
+        <p:cxnSp>
+          <p:nvCxnSpPr>
+            <p:cNvPr id="18" name="直接箭头连接符 17">
+              <a:extLst>
+                <a:ext uri="{FF2B5EF4-FFF2-40B4-BE49-F238E27FC236}">
+                  <a16:creationId xmlns:a16="http://schemas.microsoft.com/office/drawing/2014/main" id="{91574EC7-A32C-8B83-7E22-21FF63EAAD9E}"/>
+                </a:ext>
+              </a:extLst>
+            </p:cNvPr>
+            <p:cNvCxnSpPr>
+              <a:cxnSpLocks/>
+            </p:cNvCxnSpPr>
+            <p:nvPr/>
+          </p:nvCxnSpPr>
+          <p:spPr>
+            <a:xfrm flipV="1">
+              <a:off x="2982317" y="2125974"/>
+              <a:ext cx="532237" cy="4807"/>
+            </a:xfrm>
+            <a:prstGeom prst="straightConnector1">
+              <a:avLst/>
+            </a:prstGeom>
+            <a:ln w="44450">
+              <a:solidFill>
+                <a:schemeClr val="tx1"/>
+              </a:solidFill>
+              <a:tailEnd type="triangle"/>
+            </a:ln>
+          </p:spPr>
+          <p:style>
+            <a:lnRef idx="1">
+              <a:schemeClr val="accent1"/>
+            </a:lnRef>
+            <a:fillRef idx="0">
+              <a:schemeClr val="accent1"/>
+            </a:fillRef>
+            <a:effectRef idx="0">
+              <a:schemeClr val="accent1"/>
+            </a:effectRef>
+            <a:fontRef idx="minor">
+              <a:schemeClr val="tx1"/>
+            </a:fontRef>
+          </p:style>
+        </p:cxnSp>
+        <p:pic>
+          <p:nvPicPr>
+            <p:cNvPr id="48" name="图片 47">
+              <a:extLst>
+                <a:ext uri="{FF2B5EF4-FFF2-40B4-BE49-F238E27FC236}">
+                  <a16:creationId xmlns:a16="http://schemas.microsoft.com/office/drawing/2014/main" id="{C6483BE3-B979-6F27-D671-EAC637B2792C}"/>
+                </a:ext>
+              </a:extLst>
+            </p:cNvPr>
+            <p:cNvPicPr>
+              <a:picLocks noChangeAspect="1"/>
+            </p:cNvPicPr>
+            <p:nvPr/>
+          </p:nvPicPr>
+          <p:blipFill>
+            <a:blip r:embed="rId2"/>
+            <a:stretch>
+              <a:fillRect/>
+            </a:stretch>
+          </p:blipFill>
+          <p:spPr>
+            <a:xfrm>
+              <a:off x="296486" y="3326608"/>
+              <a:ext cx="2138114" cy="458443"/>
+            </a:xfrm>
+            <a:prstGeom prst="rect">
+              <a:avLst/>
+            </a:prstGeom>
+          </p:spPr>
+        </p:pic>
+        <p:grpSp>
+          <p:nvGrpSpPr>
+            <p:cNvPr id="53" name="组合 52">
+              <a:extLst>
+                <a:ext uri="{FF2B5EF4-FFF2-40B4-BE49-F238E27FC236}">
+                  <a16:creationId xmlns:a16="http://schemas.microsoft.com/office/drawing/2014/main" id="{998B2AF3-9937-0CE9-1488-DFD11F08B2CB}"/>
+                </a:ext>
+              </a:extLst>
+            </p:cNvPr>
+            <p:cNvGrpSpPr/>
+            <p:nvPr/>
+          </p:nvGrpSpPr>
+          <p:grpSpPr>
+            <a:xfrm>
+              <a:off x="3074700" y="2989972"/>
+              <a:ext cx="2849404" cy="378057"/>
+              <a:chOff x="3117772" y="2951181"/>
+              <a:chExt cx="2849404" cy="378057"/>
+            </a:xfrm>
+          </p:grpSpPr>
+          <p:pic>
+            <p:nvPicPr>
+              <p:cNvPr id="50" name="图片 49">
+                <a:extLst>
+                  <a:ext uri="{FF2B5EF4-FFF2-40B4-BE49-F238E27FC236}">
+                    <a16:creationId xmlns:a16="http://schemas.microsoft.com/office/drawing/2014/main" id="{DB19456F-D140-C2CC-CD9D-AC3328638570}"/>
+                  </a:ext>
+                </a:extLst>
+              </p:cNvPr>
+              <p:cNvPicPr>
+                <a:picLocks noChangeAspect="1"/>
+              </p:cNvPicPr>
+              <p:nvPr/>
+            </p:nvPicPr>
+            <p:blipFill>
+              <a:blip r:embed="rId3"/>
+              <a:stretch>
+                <a:fillRect/>
+              </a:stretch>
+            </p:blipFill>
+            <p:spPr>
+              <a:xfrm>
+                <a:off x="3117772" y="2951181"/>
+                <a:ext cx="1394545" cy="360436"/>
+              </a:xfrm>
+              <a:prstGeom prst="rect">
+                <a:avLst/>
+              </a:prstGeom>
+            </p:spPr>
+          </p:pic>
+          <p:pic>
+            <p:nvPicPr>
+              <p:cNvPr id="52" name="图片 51">
+                <a:extLst>
+                  <a:ext uri="{FF2B5EF4-FFF2-40B4-BE49-F238E27FC236}">
+                    <a16:creationId xmlns:a16="http://schemas.microsoft.com/office/drawing/2014/main" id="{3708D40B-0BFA-8134-72F4-EF1C7C303C41}"/>
+                  </a:ext>
+                </a:extLst>
+              </p:cNvPr>
+              <p:cNvPicPr>
+                <a:picLocks noChangeAspect="1"/>
+              </p:cNvPicPr>
+              <p:nvPr/>
+            </p:nvPicPr>
+            <p:blipFill>
+              <a:blip r:embed="rId4"/>
+              <a:stretch>
+                <a:fillRect/>
+              </a:stretch>
+            </p:blipFill>
+            <p:spPr>
+              <a:xfrm>
+                <a:off x="4493177" y="2951181"/>
+                <a:ext cx="1473999" cy="378057"/>
+              </a:xfrm>
+              <a:prstGeom prst="rect">
+                <a:avLst/>
+              </a:prstGeom>
+            </p:spPr>
+          </p:pic>
+        </p:grpSp>
+      </p:grpSp>
+      <p:grpSp>
+        <p:nvGrpSpPr>
+          <p:cNvPr id="59" name="组合 58">
+            <a:extLst>
+              <a:ext uri="{FF2B5EF4-FFF2-40B4-BE49-F238E27FC236}">
+                <a16:creationId xmlns:a16="http://schemas.microsoft.com/office/drawing/2014/main" id="{080D176C-7F13-45E2-E1A0-2AD56F613E32}"/>
+              </a:ext>
+            </a:extLst>
+          </p:cNvPr>
+          <p:cNvGrpSpPr/>
+          <p:nvPr/>
+        </p:nvGrpSpPr>
+        <p:grpSpPr>
+          <a:xfrm>
+            <a:off x="4374932" y="588235"/>
+            <a:ext cx="3217943" cy="1344496"/>
+            <a:chOff x="6612252" y="1465517"/>
+            <a:chExt cx="4625669" cy="1989602"/>
+          </a:xfrm>
+        </p:grpSpPr>
+        <p:grpSp>
+          <p:nvGrpSpPr>
+            <p:cNvPr id="40" name="组合 39">
+              <a:extLst>
+                <a:ext uri="{FF2B5EF4-FFF2-40B4-BE49-F238E27FC236}">
+                  <a16:creationId xmlns:a16="http://schemas.microsoft.com/office/drawing/2014/main" id="{FBC2A501-90BE-C4B1-993C-2A488914C40B}"/>
+                </a:ext>
+              </a:extLst>
+            </p:cNvPr>
+            <p:cNvGrpSpPr/>
+            <p:nvPr/>
+          </p:nvGrpSpPr>
+          <p:grpSpPr>
+            <a:xfrm rot="8133375">
+              <a:off x="6612252" y="1465517"/>
+              <a:ext cx="2157725" cy="1145405"/>
+              <a:chOff x="7217195" y="806445"/>
+              <a:chExt cx="2157725" cy="1145405"/>
+            </a:xfrm>
+          </p:grpSpPr>
+          <p:sp>
+            <p:nvSpPr>
+              <p:cNvPr id="34" name="椭圆 33">
+                <a:extLst>
+                  <a:ext uri="{FF2B5EF4-FFF2-40B4-BE49-F238E27FC236}">
+                    <a16:creationId xmlns:a16="http://schemas.microsoft.com/office/drawing/2014/main" id="{5BA65D66-3954-681B-A9ED-3B9BBFD796C8}"/>
+                  </a:ext>
+                </a:extLst>
+              </p:cNvPr>
+              <p:cNvSpPr/>
+              <p:nvPr/>
+            </p:nvSpPr>
+            <p:spPr>
+              <a:xfrm rot="4999104">
+                <a:off x="7791652" y="317815"/>
+                <a:ext cx="1008812" cy="2157725"/>
+              </a:xfrm>
+              <a:prstGeom prst="ellipse">
+                <a:avLst/>
+              </a:prstGeom>
+              <a:solidFill>
+                <a:srgbClr val="92D050">
+                  <a:alpha val="67000"/>
+                </a:srgbClr>
+              </a:solidFill>
+              <a:ln w="19050">
+                <a:solidFill>
+                  <a:schemeClr val="tx1"/>
+                </a:solidFill>
+              </a:ln>
+            </p:spPr>
+            <p:style>
+              <a:lnRef idx="2">
+                <a:schemeClr val="accent1">
+                  <a:shade val="50000"/>
+                </a:schemeClr>
+              </a:lnRef>
+              <a:fillRef idx="1">
+                <a:schemeClr val="accent1"/>
+              </a:fillRef>
+              <a:effectRef idx="0">
+                <a:schemeClr val="accent1"/>
+              </a:effectRef>
+              <a:fontRef idx="minor">
+                <a:schemeClr val="lt1"/>
+              </a:fontRef>
+            </p:style>
+            <p:txBody>
+              <a:bodyPr rtlCol="0" anchor="ctr"/>
+              <a:lstStyle/>
+              <a:p>
+                <a:pPr algn="ctr"/>
+                <a:endParaRPr lang="zh-CN" altLang="en-US"/>
+              </a:p>
+            </p:txBody>
+          </p:sp>
+          <p:grpSp>
+            <p:nvGrpSpPr>
+              <p:cNvPr id="35" name="组合 34">
+                <a:extLst>
+                  <a:ext uri="{FF2B5EF4-FFF2-40B4-BE49-F238E27FC236}">
+                    <a16:creationId xmlns:a16="http://schemas.microsoft.com/office/drawing/2014/main" id="{975946C3-A541-3924-EC06-189A2721499F}"/>
+                  </a:ext>
+                </a:extLst>
+              </p:cNvPr>
+              <p:cNvGrpSpPr/>
+              <p:nvPr/>
+            </p:nvGrpSpPr>
+            <p:grpSpPr>
+              <a:xfrm rot="7188688">
+                <a:off x="7738559" y="789269"/>
+                <a:ext cx="1145405" cy="1179758"/>
+                <a:chOff x="1308849" y="1030624"/>
+                <a:chExt cx="1456563" cy="1619632"/>
+              </a:xfrm>
+            </p:grpSpPr>
+            <p:sp>
+              <p:nvSpPr>
+                <p:cNvPr id="36" name="椭圆 35">
+                  <a:extLst>
+                    <a:ext uri="{FF2B5EF4-FFF2-40B4-BE49-F238E27FC236}">
+                      <a16:creationId xmlns:a16="http://schemas.microsoft.com/office/drawing/2014/main" id="{BE655208-A5C0-9AA1-AF20-FF4326035EBE}"/>
+                    </a:ext>
+                  </a:extLst>
+                </p:cNvPr>
+                <p:cNvSpPr/>
+                <p:nvPr/>
+              </p:nvSpPr>
+              <p:spPr>
+                <a:xfrm>
+                  <a:off x="1308849" y="1030624"/>
+                  <a:ext cx="997791" cy="948179"/>
+                </a:xfrm>
+                <a:prstGeom prst="ellipse">
+                  <a:avLst/>
+                </a:prstGeom>
+                <a:solidFill>
+                  <a:srgbClr val="00B0F0">
+                    <a:alpha val="67000"/>
+                  </a:srgbClr>
+                </a:solidFill>
+                <a:ln w="19050">
+                  <a:solidFill>
+                    <a:schemeClr val="tx1"/>
+                  </a:solidFill>
+                </a:ln>
+              </p:spPr>
+              <p:style>
+                <a:lnRef idx="2">
+                  <a:schemeClr val="accent1">
+                    <a:shade val="50000"/>
+                  </a:schemeClr>
+                </a:lnRef>
+                <a:fillRef idx="1">
+                  <a:schemeClr val="accent1"/>
+                </a:fillRef>
+                <a:effectRef idx="0">
+                  <a:schemeClr val="accent1"/>
+                </a:effectRef>
+                <a:fontRef idx="minor">
+                  <a:schemeClr val="lt1"/>
+                </a:fontRef>
+              </p:style>
+              <p:txBody>
+                <a:bodyPr rtlCol="0" anchor="ctr"/>
+                <a:lstStyle/>
+                <a:p>
+                  <a:pPr algn="ctr"/>
+                  <a:endParaRPr lang="zh-CN" altLang="en-US"/>
+                </a:p>
+              </p:txBody>
+            </p:sp>
+            <p:sp>
+              <p:nvSpPr>
+                <p:cNvPr id="38" name="椭圆 37">
+                  <a:extLst>
+                    <a:ext uri="{FF2B5EF4-FFF2-40B4-BE49-F238E27FC236}">
+                      <a16:creationId xmlns:a16="http://schemas.microsoft.com/office/drawing/2014/main" id="{319BA751-6ABE-FF5E-6EB1-6150466E18BB}"/>
+                    </a:ext>
+                  </a:extLst>
+                </p:cNvPr>
+                <p:cNvSpPr/>
+                <p:nvPr/>
+              </p:nvSpPr>
+              <p:spPr>
+                <a:xfrm>
+                  <a:off x="1793861" y="1685850"/>
+                  <a:ext cx="971551" cy="964406"/>
+                </a:xfrm>
+                <a:prstGeom prst="ellipse">
+                  <a:avLst/>
+                </a:prstGeom>
+                <a:solidFill>
+                  <a:srgbClr val="00B0F0">
+                    <a:alpha val="67000"/>
+                  </a:srgbClr>
+                </a:solidFill>
+                <a:ln w="19050">
+                  <a:solidFill>
+                    <a:schemeClr val="tx1"/>
+                  </a:solidFill>
+                </a:ln>
+              </p:spPr>
+              <p:style>
+                <a:lnRef idx="2">
+                  <a:schemeClr val="accent1">
+                    <a:shade val="50000"/>
+                  </a:schemeClr>
+                </a:lnRef>
+                <a:fillRef idx="1">
+                  <a:schemeClr val="accent1"/>
+                </a:fillRef>
+                <a:effectRef idx="0">
+                  <a:schemeClr val="accent1"/>
+                </a:effectRef>
+                <a:fontRef idx="minor">
+                  <a:schemeClr val="lt1"/>
+                </a:fontRef>
+              </p:style>
+              <p:txBody>
+                <a:bodyPr rtlCol="0" anchor="ctr"/>
+                <a:lstStyle/>
+                <a:p>
+                  <a:pPr algn="ctr"/>
+                  <a:endParaRPr lang="zh-CN" altLang="en-US" dirty="0"/>
+                </a:p>
+              </p:txBody>
+            </p:sp>
+          </p:grpSp>
+        </p:grpSp>
+        <p:grpSp>
+          <p:nvGrpSpPr>
+            <p:cNvPr id="43" name="组合 42">
+              <a:extLst>
+                <a:ext uri="{FF2B5EF4-FFF2-40B4-BE49-F238E27FC236}">
+                  <a16:creationId xmlns:a16="http://schemas.microsoft.com/office/drawing/2014/main" id="{CB8C9CF6-90BF-5C44-EE57-534DB89CEF61}"/>
+                </a:ext>
+              </a:extLst>
+            </p:cNvPr>
+            <p:cNvGrpSpPr/>
+            <p:nvPr/>
+          </p:nvGrpSpPr>
+          <p:grpSpPr>
+            <a:xfrm rot="4704277">
+              <a:off x="9482705" y="1536095"/>
+              <a:ext cx="1145405" cy="1179758"/>
+              <a:chOff x="1308849" y="1030624"/>
+              <a:chExt cx="1456563" cy="1619632"/>
+            </a:xfrm>
+          </p:grpSpPr>
+          <p:sp>
+            <p:nvSpPr>
+              <p:cNvPr id="44" name="椭圆 43">
+                <a:extLst>
+                  <a:ext uri="{FF2B5EF4-FFF2-40B4-BE49-F238E27FC236}">
+                    <a16:creationId xmlns:a16="http://schemas.microsoft.com/office/drawing/2014/main" id="{ADF7AA02-1EF9-A5E0-7913-99427A32E900}"/>
+                  </a:ext>
+                </a:extLst>
+              </p:cNvPr>
+              <p:cNvSpPr/>
+              <p:nvPr/>
+            </p:nvSpPr>
+            <p:spPr>
+              <a:xfrm>
+                <a:off x="1308849" y="1030624"/>
+                <a:ext cx="997791" cy="948179"/>
+              </a:xfrm>
+              <a:prstGeom prst="ellipse">
+                <a:avLst/>
+              </a:prstGeom>
+              <a:solidFill>
+                <a:srgbClr val="00B0F0">
+                  <a:alpha val="67000"/>
+                </a:srgbClr>
+              </a:solidFill>
+              <a:ln w="19050">
+                <a:solidFill>
+                  <a:schemeClr val="tx1"/>
+                </a:solidFill>
+              </a:ln>
+            </p:spPr>
+            <p:style>
+              <a:lnRef idx="2">
+                <a:schemeClr val="accent1">
+                  <a:shade val="50000"/>
+                </a:schemeClr>
+              </a:lnRef>
+              <a:fillRef idx="1">
+                <a:schemeClr val="accent1"/>
+              </a:fillRef>
+              <a:effectRef idx="0">
+                <a:schemeClr val="accent1"/>
+              </a:effectRef>
+              <a:fontRef idx="minor">
+                <a:schemeClr val="lt1"/>
+              </a:fontRef>
+            </p:style>
+            <p:txBody>
+              <a:bodyPr rtlCol="0" anchor="ctr"/>
+              <a:lstStyle/>
+              <a:p>
+                <a:pPr algn="ctr"/>
+                <a:endParaRPr lang="zh-CN" altLang="en-US"/>
+              </a:p>
+            </p:txBody>
+          </p:sp>
+          <p:sp>
+            <p:nvSpPr>
+              <p:cNvPr id="45" name="椭圆 44">
+                <a:extLst>
+                  <a:ext uri="{FF2B5EF4-FFF2-40B4-BE49-F238E27FC236}">
+                    <a16:creationId xmlns:a16="http://schemas.microsoft.com/office/drawing/2014/main" id="{D036123F-C12A-FEB6-77CC-D0C749398D7E}"/>
+                  </a:ext>
+                </a:extLst>
+              </p:cNvPr>
+              <p:cNvSpPr/>
+              <p:nvPr/>
+            </p:nvSpPr>
+            <p:spPr>
+              <a:xfrm>
+                <a:off x="1793861" y="1685850"/>
+                <a:ext cx="971551" cy="964406"/>
+              </a:xfrm>
+              <a:prstGeom prst="ellipse">
+                <a:avLst/>
+              </a:prstGeom>
+              <a:solidFill>
+                <a:srgbClr val="00B0F0">
+                  <a:alpha val="67000"/>
+                </a:srgbClr>
+              </a:solidFill>
+              <a:ln w="19050">
+                <a:solidFill>
+                  <a:schemeClr val="tx1"/>
+                </a:solidFill>
+              </a:ln>
+            </p:spPr>
+            <p:style>
+              <a:lnRef idx="2">
+                <a:schemeClr val="accent1">
+                  <a:shade val="50000"/>
+                </a:schemeClr>
+              </a:lnRef>
+              <a:fillRef idx="1">
+                <a:schemeClr val="accent1"/>
+              </a:fillRef>
+              <a:effectRef idx="0">
+                <a:schemeClr val="accent1"/>
+              </a:effectRef>
+              <a:fontRef idx="minor">
+                <a:schemeClr val="lt1"/>
+              </a:fontRef>
+            </p:style>
+            <p:txBody>
+              <a:bodyPr rtlCol="0" anchor="ctr"/>
+              <a:lstStyle/>
+              <a:p>
+                <a:pPr algn="ctr"/>
+                <a:endParaRPr lang="zh-CN" altLang="en-US" dirty="0"/>
+              </a:p>
+            </p:txBody>
+          </p:sp>
+        </p:grpSp>
+        <p:cxnSp>
+          <p:nvCxnSpPr>
+            <p:cNvPr id="46" name="直接箭头连接符 45">
+              <a:extLst>
+                <a:ext uri="{FF2B5EF4-FFF2-40B4-BE49-F238E27FC236}">
+                  <a16:creationId xmlns:a16="http://schemas.microsoft.com/office/drawing/2014/main" id="{938C73D6-CCEE-6587-97FC-F00AC2249E52}"/>
+                </a:ext>
+              </a:extLst>
+            </p:cNvPr>
+            <p:cNvCxnSpPr>
+              <a:cxnSpLocks/>
+            </p:cNvCxnSpPr>
+            <p:nvPr/>
+          </p:nvCxnSpPr>
+          <p:spPr>
+            <a:xfrm>
+              <a:off x="8720732" y="2053789"/>
+              <a:ext cx="562062" cy="0"/>
+            </a:xfrm>
+            <a:prstGeom prst="straightConnector1">
+              <a:avLst/>
+            </a:prstGeom>
+            <a:ln w="44450">
+              <a:solidFill>
+                <a:schemeClr val="tx1"/>
+              </a:solidFill>
+              <a:tailEnd type="triangle"/>
+            </a:ln>
+          </p:spPr>
+          <p:style>
+            <a:lnRef idx="1">
+              <a:schemeClr val="accent1"/>
+            </a:lnRef>
+            <a:fillRef idx="0">
+              <a:schemeClr val="accent1"/>
+            </a:fillRef>
+            <a:effectRef idx="0">
+              <a:schemeClr val="accent1"/>
+            </a:effectRef>
+            <a:fontRef idx="minor">
+              <a:schemeClr val="tx1"/>
+            </a:fontRef>
+          </p:style>
+        </p:cxnSp>
+        <p:pic>
+          <p:nvPicPr>
+            <p:cNvPr id="56" name="图片 55">
+              <a:extLst>
+                <a:ext uri="{FF2B5EF4-FFF2-40B4-BE49-F238E27FC236}">
+                  <a16:creationId xmlns:a16="http://schemas.microsoft.com/office/drawing/2014/main" id="{06F1B355-8A90-5DAF-7FB8-E16843D7786A}"/>
+                </a:ext>
+              </a:extLst>
+            </p:cNvPr>
+            <p:cNvPicPr>
+              <a:picLocks noChangeAspect="1"/>
+            </p:cNvPicPr>
+            <p:nvPr/>
+          </p:nvPicPr>
+          <p:blipFill>
+            <a:blip r:embed="rId5"/>
+            <a:stretch>
+              <a:fillRect/>
+            </a:stretch>
+          </p:blipFill>
+          <p:spPr>
+            <a:xfrm>
+              <a:off x="6628875" y="3050185"/>
+              <a:ext cx="1793277" cy="404934"/>
+            </a:xfrm>
+            <a:prstGeom prst="rect">
+              <a:avLst/>
+            </a:prstGeom>
+          </p:spPr>
+        </p:pic>
+        <p:pic>
+          <p:nvPicPr>
+            <p:cNvPr id="58" name="图片 57">
+              <a:extLst>
+                <a:ext uri="{FF2B5EF4-FFF2-40B4-BE49-F238E27FC236}">
+                  <a16:creationId xmlns:a16="http://schemas.microsoft.com/office/drawing/2014/main" id="{854A2F01-5C98-0674-03C5-9DEB61ACD97F}"/>
+                </a:ext>
+              </a:extLst>
+            </p:cNvPr>
+            <p:cNvPicPr>
+              <a:picLocks noChangeAspect="1"/>
+            </p:cNvPicPr>
+            <p:nvPr/>
+          </p:nvPicPr>
+          <p:blipFill>
+            <a:blip r:embed="rId6"/>
+            <a:stretch>
+              <a:fillRect/>
+            </a:stretch>
+          </p:blipFill>
+          <p:spPr>
+            <a:xfrm>
+              <a:off x="8767803" y="3027485"/>
+              <a:ext cx="2470118" cy="395219"/>
+            </a:xfrm>
+            <a:prstGeom prst="rect">
+              <a:avLst/>
+            </a:prstGeom>
+          </p:spPr>
+        </p:pic>
+      </p:grpSp>
+      <p:graphicFrame>
+        <p:nvGraphicFramePr>
+          <p:cNvPr id="61" name="表格 61">
+            <a:extLst>
+              <a:ext uri="{FF2B5EF4-FFF2-40B4-BE49-F238E27FC236}">
+                <a16:creationId xmlns:a16="http://schemas.microsoft.com/office/drawing/2014/main" id="{15F0D49E-C1F0-4A5D-CD32-0ABAEDAED409}"/>
+              </a:ext>
+            </a:extLst>
+          </p:cNvPr>
+          <p:cNvGraphicFramePr>
+            <a:graphicFrameLocks noGrp="1"/>
+          </p:cNvGraphicFramePr>
+          <p:nvPr>
+            <p:extLst>
+              <p:ext uri="{D42A27DB-BD31-4B8C-83A1-F6EECF244321}">
+                <p14:modId xmlns:p14="http://schemas.microsoft.com/office/powerpoint/2010/main" val="1757529196"/>
+              </p:ext>
+            </p:extLst>
+          </p:nvPr>
+        </p:nvGraphicFramePr>
+        <p:xfrm>
+          <a:off x="262052" y="1379653"/>
+          <a:ext cx="1502775" cy="1828800"/>
+        </p:xfrm>
+        <a:graphic>
+          <a:graphicData uri="http://schemas.openxmlformats.org/drawingml/2006/table">
+            <a:tbl>
+              <a:tblPr firstRow="1" bandRow="1">
+                <a:tableStyleId>{D7AC3CCA-C797-4891-BE02-D94E43425B78}</a:tableStyleId>
+              </a:tblPr>
+              <a:tblGrid>
+                <a:gridCol w="391514">
+                  <a:extLst>
+                    <a:ext uri="{9D8B030D-6E8A-4147-A177-3AD203B41FA5}">
+                      <a16:colId xmlns:a16="http://schemas.microsoft.com/office/drawing/2014/main" val="1466571097"/>
+                    </a:ext>
+                  </a:extLst>
+                </a:gridCol>
+                <a:gridCol w="383323">
+                  <a:extLst>
+                    <a:ext uri="{9D8B030D-6E8A-4147-A177-3AD203B41FA5}">
+                      <a16:colId xmlns:a16="http://schemas.microsoft.com/office/drawing/2014/main" val="296590797"/>
+                    </a:ext>
+                  </a:extLst>
+                </a:gridCol>
+                <a:gridCol w="727938">
+                  <a:extLst>
+                    <a:ext uri="{9D8B030D-6E8A-4147-A177-3AD203B41FA5}">
+                      <a16:colId xmlns:a16="http://schemas.microsoft.com/office/drawing/2014/main" val="4061104465"/>
+                    </a:ext>
+                  </a:extLst>
+                </a:gridCol>
+              </a:tblGrid>
+              <a:tr h="0">
+                <a:tc>
+                  <a:txBody>
+                    <a:bodyPr/>
+                    <a:lstStyle/>
+                    <a:p>
+                      <a:r>
+                        <a:rPr lang="en-US" altLang="zh-CN" sz="1800" dirty="0"/>
+                        <a:t>A</a:t>
+                      </a:r>
+                      <a:endParaRPr lang="zh-CN" altLang="en-US" sz="1800" dirty="0"/>
+                    </a:p>
+                  </a:txBody>
+                  <a:tcPr>
+                    <a:noFill/>
+                  </a:tcPr>
+                </a:tc>
+                <a:tc>
+                  <a:txBody>
+                    <a:bodyPr/>
+                    <a:lstStyle/>
+                    <a:p>
+                      <a:r>
+                        <a:rPr lang="en-US" altLang="zh-CN" sz="1800" dirty="0"/>
+                        <a:t>B</a:t>
+                      </a:r>
+                      <a:endParaRPr lang="zh-CN" altLang="en-US" sz="1800" dirty="0"/>
+                    </a:p>
+                  </a:txBody>
+                  <a:tcPr>
+                    <a:noFill/>
+                  </a:tcPr>
+                </a:tc>
+                <a:tc>
+                  <a:txBody>
+                    <a:bodyPr/>
+                    <a:lstStyle/>
+                    <a:p>
+                      <a:r>
+                        <a:rPr lang="en-US" altLang="zh-CN" sz="1800" dirty="0"/>
+                        <a:t>OUT</a:t>
+                      </a:r>
+                      <a:endParaRPr lang="zh-CN" altLang="en-US" sz="1800" dirty="0"/>
+                    </a:p>
+                  </a:txBody>
+                  <a:tcPr>
+                    <a:noFill/>
+                  </a:tcPr>
+                </a:tc>
+                <a:extLst>
+                  <a:ext uri="{0D108BD9-81ED-4DB2-BD59-A6C34878D82A}">
+                    <a16:rowId xmlns:a16="http://schemas.microsoft.com/office/drawing/2014/main" val="591685379"/>
+                  </a:ext>
+                </a:extLst>
+              </a:tr>
+              <a:tr h="314733">
+                <a:tc>
+                  <a:txBody>
+                    <a:bodyPr/>
+                    <a:lstStyle/>
+                    <a:p>
+                      <a:r>
+                        <a:rPr lang="en-US" altLang="zh-CN" sz="1800" dirty="0"/>
+                        <a:t>0</a:t>
+                      </a:r>
+                      <a:endParaRPr lang="zh-CN" altLang="en-US" sz="1800" dirty="0"/>
+                    </a:p>
+                  </a:txBody>
+                  <a:tcPr>
+                    <a:noFill/>
+                  </a:tcPr>
+                </a:tc>
+                <a:tc>
+                  <a:txBody>
+                    <a:bodyPr/>
+                    <a:lstStyle/>
+                    <a:p>
+                      <a:r>
+                        <a:rPr lang="en-US" altLang="zh-CN" sz="1800" dirty="0"/>
+                        <a:t>0</a:t>
+                      </a:r>
+                      <a:endParaRPr lang="zh-CN" altLang="en-US" sz="1800" dirty="0"/>
+                    </a:p>
+                  </a:txBody>
+                  <a:tcPr>
+                    <a:noFill/>
+                  </a:tcPr>
+                </a:tc>
+                <a:tc>
+                  <a:txBody>
+                    <a:bodyPr/>
+                    <a:lstStyle/>
+                    <a:p>
+                      <a:r>
+                        <a:rPr lang="en-US" altLang="zh-CN" sz="1800" dirty="0"/>
+                        <a:t>0</a:t>
+                      </a:r>
+                      <a:endParaRPr lang="zh-CN" altLang="en-US" sz="1800" dirty="0"/>
+                    </a:p>
+                  </a:txBody>
+                  <a:tcPr>
+                    <a:noFill/>
+                  </a:tcPr>
+                </a:tc>
+                <a:extLst>
+                  <a:ext uri="{0D108BD9-81ED-4DB2-BD59-A6C34878D82A}">
+                    <a16:rowId xmlns:a16="http://schemas.microsoft.com/office/drawing/2014/main" val="3696316841"/>
+                  </a:ext>
+                </a:extLst>
+              </a:tr>
+              <a:tr h="314733">
+                <a:tc>
+                  <a:txBody>
+                    <a:bodyPr/>
+                    <a:lstStyle/>
+                    <a:p>
+                      <a:r>
+                        <a:rPr lang="en-US" altLang="zh-CN" sz="1800" dirty="0"/>
+                        <a:t>0</a:t>
+                      </a:r>
+                      <a:endParaRPr lang="zh-CN" altLang="en-US" sz="1800" dirty="0"/>
+                    </a:p>
+                  </a:txBody>
+                  <a:tcPr>
+                    <a:noFill/>
+                  </a:tcPr>
+                </a:tc>
+                <a:tc>
+                  <a:txBody>
+                    <a:bodyPr/>
+                    <a:lstStyle/>
+                    <a:p>
+                      <a:r>
+                        <a:rPr lang="en-US" altLang="zh-CN" sz="1800" dirty="0"/>
+                        <a:t>1</a:t>
+                      </a:r>
+                      <a:endParaRPr lang="zh-CN" altLang="en-US" sz="1800" dirty="0"/>
+                    </a:p>
+                  </a:txBody>
+                  <a:tcPr>
+                    <a:noFill/>
+                  </a:tcPr>
+                </a:tc>
+                <a:tc>
+                  <a:txBody>
+                    <a:bodyPr/>
+                    <a:lstStyle/>
+                    <a:p>
+                      <a:r>
+                        <a:rPr lang="en-US" altLang="zh-CN" sz="1800" dirty="0"/>
+                        <a:t>1</a:t>
+                      </a:r>
+                      <a:endParaRPr lang="zh-CN" altLang="en-US" sz="1800" dirty="0"/>
+                    </a:p>
+                  </a:txBody>
+                  <a:tcPr>
+                    <a:noFill/>
+                  </a:tcPr>
+                </a:tc>
+                <a:extLst>
+                  <a:ext uri="{0D108BD9-81ED-4DB2-BD59-A6C34878D82A}">
+                    <a16:rowId xmlns:a16="http://schemas.microsoft.com/office/drawing/2014/main" val="20899387"/>
+                  </a:ext>
+                </a:extLst>
+              </a:tr>
+              <a:tr h="314733">
+                <a:tc>
+                  <a:txBody>
+                    <a:bodyPr/>
+                    <a:lstStyle/>
+                    <a:p>
+                      <a:r>
+                        <a:rPr lang="en-US" altLang="zh-CN" sz="1800" dirty="0"/>
+                        <a:t>1</a:t>
+                      </a:r>
+                      <a:endParaRPr lang="zh-CN" altLang="en-US" sz="1800" dirty="0"/>
+                    </a:p>
+                  </a:txBody>
+                  <a:tcPr>
+                    <a:noFill/>
+                  </a:tcPr>
+                </a:tc>
+                <a:tc>
+                  <a:txBody>
+                    <a:bodyPr/>
+                    <a:lstStyle/>
+                    <a:p>
+                      <a:r>
+                        <a:rPr lang="en-US" altLang="zh-CN" sz="1800" dirty="0"/>
+                        <a:t>0</a:t>
+                      </a:r>
+                      <a:endParaRPr lang="zh-CN" altLang="en-US" sz="1800" dirty="0"/>
+                    </a:p>
+                  </a:txBody>
+                  <a:tcPr>
+                    <a:noFill/>
+                  </a:tcPr>
+                </a:tc>
+                <a:tc>
+                  <a:txBody>
+                    <a:bodyPr/>
+                    <a:lstStyle/>
+                    <a:p>
+                      <a:r>
+                        <a:rPr lang="en-US" altLang="zh-CN" sz="1800" dirty="0"/>
+                        <a:t>1</a:t>
+                      </a:r>
+                      <a:endParaRPr lang="zh-CN" altLang="en-US" sz="1800" dirty="0"/>
+                    </a:p>
+                  </a:txBody>
+                  <a:tcPr>
+                    <a:noFill/>
+                  </a:tcPr>
+                </a:tc>
+                <a:extLst>
+                  <a:ext uri="{0D108BD9-81ED-4DB2-BD59-A6C34878D82A}">
+                    <a16:rowId xmlns:a16="http://schemas.microsoft.com/office/drawing/2014/main" val="4241477182"/>
+                  </a:ext>
+                </a:extLst>
+              </a:tr>
+              <a:tr h="314733">
+                <a:tc>
+                  <a:txBody>
+                    <a:bodyPr/>
+                    <a:lstStyle/>
+                    <a:p>
+                      <a:r>
+                        <a:rPr lang="en-US" altLang="zh-CN" sz="1800" dirty="0"/>
+                        <a:t>1</a:t>
+                      </a:r>
+                      <a:endParaRPr lang="zh-CN" altLang="en-US" sz="1800" dirty="0"/>
+                    </a:p>
+                  </a:txBody>
+                  <a:tcPr>
+                    <a:noFill/>
+                  </a:tcPr>
+                </a:tc>
+                <a:tc>
+                  <a:txBody>
+                    <a:bodyPr/>
+                    <a:lstStyle/>
+                    <a:p>
+                      <a:r>
+                        <a:rPr lang="en-US" altLang="zh-CN" sz="1800" dirty="0"/>
+                        <a:t>1</a:t>
+                      </a:r>
+                      <a:endParaRPr lang="zh-CN" altLang="en-US" sz="1800" dirty="0"/>
+                    </a:p>
+                  </a:txBody>
+                  <a:tcPr>
+                    <a:noFill/>
+                  </a:tcPr>
+                </a:tc>
+                <a:tc>
+                  <a:txBody>
+                    <a:bodyPr/>
+                    <a:lstStyle/>
+                    <a:p>
+                      <a:r>
+                        <a:rPr lang="en-US" altLang="zh-CN" sz="1800" dirty="0"/>
+                        <a:t>0</a:t>
+                      </a:r>
+                      <a:endParaRPr lang="zh-CN" altLang="en-US" sz="1800" dirty="0"/>
+                    </a:p>
+                  </a:txBody>
+                  <a:tcPr>
+                    <a:noFill/>
+                  </a:tcPr>
+                </a:tc>
+                <a:extLst>
+                  <a:ext uri="{0D108BD9-81ED-4DB2-BD59-A6C34878D82A}">
+                    <a16:rowId xmlns:a16="http://schemas.microsoft.com/office/drawing/2014/main" val="3888395532"/>
+                  </a:ext>
+                </a:extLst>
+              </a:tr>
+            </a:tbl>
+          </a:graphicData>
+        </a:graphic>
+      </p:graphicFrame>
       <p:pic>
         <p:nvPicPr>
-          <p:cNvPr id="9" name="图片 8">
+          <p:cNvPr id="1026" name="Picture 2">
             <a:extLst>
               <a:ext uri="{FF2B5EF4-FFF2-40B4-BE49-F238E27FC236}">
-                <a16:creationId xmlns:a16="http://schemas.microsoft.com/office/drawing/2014/main" id="{F5B1FEF9-D52B-21ED-C7CD-85EFDCA4E305}"/>
+                <a16:creationId xmlns:a16="http://schemas.microsoft.com/office/drawing/2014/main" id="{0D6B93F1-D69F-2D36-3432-50F212B03C5E}"/>
+              </a:ext>
+            </a:extLst>
+          </p:cNvPr>
+          <p:cNvPicPr>
+            <a:picLocks noChangeAspect="1" noChangeArrowheads="1"/>
+          </p:cNvPicPr>
+          <p:nvPr/>
+        </p:nvPicPr>
+        <p:blipFill>
+          <a:blip r:embed="rId7">
+            <a:extLst>
+              <a:ext uri="{28A0092B-C50C-407E-A947-70E740481C1C}">
+                <a14:useLocalDpi xmlns:a14="http://schemas.microsoft.com/office/drawing/2010/main" val="0"/>
+              </a:ext>
+            </a:extLst>
+          </a:blip>
+          <a:srcRect/>
+          <a:stretch>
+            <a:fillRect/>
+          </a:stretch>
+        </p:blipFill>
+        <p:spPr bwMode="auto">
+          <a:xfrm>
+            <a:off x="2008136" y="1450423"/>
+            <a:ext cx="1621877" cy="584108"/>
+          </a:xfrm>
+          <a:prstGeom prst="rect">
+            <a:avLst/>
+          </a:prstGeom>
+          <a:noFill/>
+          <a:extLst>
+            <a:ext uri="{909E8E84-426E-40DD-AFC4-6F175D3DCCD1}">
+              <a14:hiddenFill xmlns:a14="http://schemas.microsoft.com/office/drawing/2010/main">
+                <a:solidFill>
+                  <a:srgbClr val="FFFFFF"/>
+                </a:solidFill>
+              </a14:hiddenFill>
+            </a:ext>
+          </a:extLst>
+        </p:spPr>
+      </p:pic>
+      <p:pic>
+        <p:nvPicPr>
+          <p:cNvPr id="63" name="图片 62">
+            <a:extLst>
+              <a:ext uri="{FF2B5EF4-FFF2-40B4-BE49-F238E27FC236}">
+                <a16:creationId xmlns:a16="http://schemas.microsoft.com/office/drawing/2014/main" id="{9F389C9D-A0B8-3870-D113-6CE2FAD89A7C}"/>
               </a:ext>
             </a:extLst>
           </p:cNvPr>
@@ -2988,15 +4655,15 @@
           <p:nvPr/>
         </p:nvPicPr>
         <p:blipFill>
-          <a:blip r:embed="rId2"/>
+          <a:blip r:embed="rId8"/>
           <a:stretch>
             <a:fillRect/>
           </a:stretch>
         </p:blipFill>
         <p:spPr>
           <a:xfrm>
-            <a:off x="7677150" y="488387"/>
-            <a:ext cx="3428037" cy="3108910"/>
+            <a:off x="1924639" y="2294053"/>
+            <a:ext cx="2282160" cy="872858"/>
           </a:xfrm>
           <a:prstGeom prst="rect">
             <a:avLst/>
@@ -3005,10 +4672,10 @@
       </p:pic>
       <p:pic>
         <p:nvPicPr>
-          <p:cNvPr id="21" name="图片 20">
+          <p:cNvPr id="1027" name="图片 1026">
             <a:extLst>
               <a:ext uri="{FF2B5EF4-FFF2-40B4-BE49-F238E27FC236}">
-                <a16:creationId xmlns:a16="http://schemas.microsoft.com/office/drawing/2014/main" id="{B32F6021-C855-FB72-5028-E2A302620D44}"/>
+                <a16:creationId xmlns:a16="http://schemas.microsoft.com/office/drawing/2014/main" id="{218B72CD-8FB3-5C48-A75C-786CE48E0B0E}"/>
               </a:ext>
             </a:extLst>
           </p:cNvPr>
@@ -3018,147 +4685,21 @@
           <p:nvPr/>
         </p:nvPicPr>
         <p:blipFill>
-          <a:blip r:embed="rId3"/>
+          <a:blip r:embed="rId9"/>
           <a:stretch>
             <a:fillRect/>
           </a:stretch>
         </p:blipFill>
         <p:spPr>
           <a:xfrm>
-            <a:off x="114300" y="603446"/>
-            <a:ext cx="3193083" cy="2653833"/>
+            <a:off x="8247892" y="745043"/>
+            <a:ext cx="2402029" cy="2753691"/>
           </a:xfrm>
           <a:prstGeom prst="rect">
             <a:avLst/>
           </a:prstGeom>
         </p:spPr>
       </p:pic>
-      <p:pic>
-        <p:nvPicPr>
-          <p:cNvPr id="23" name="图片 22">
-            <a:extLst>
-              <a:ext uri="{FF2B5EF4-FFF2-40B4-BE49-F238E27FC236}">
-                <a16:creationId xmlns:a16="http://schemas.microsoft.com/office/drawing/2014/main" id="{3013593B-4692-A263-59A5-E3806B0320F5}"/>
-              </a:ext>
-            </a:extLst>
-          </p:cNvPr>
-          <p:cNvPicPr>
-            <a:picLocks noChangeAspect="1"/>
-          </p:cNvPicPr>
-          <p:nvPr/>
-        </p:nvPicPr>
-        <p:blipFill>
-          <a:blip r:embed="rId4"/>
-          <a:stretch>
-            <a:fillRect/>
-          </a:stretch>
-        </p:blipFill>
-        <p:spPr>
-          <a:xfrm>
-            <a:off x="5447687" y="387714"/>
-            <a:ext cx="2493940" cy="1709261"/>
-          </a:xfrm>
-          <a:prstGeom prst="rect">
-            <a:avLst/>
-          </a:prstGeom>
-        </p:spPr>
-      </p:pic>
-      <p:pic>
-        <p:nvPicPr>
-          <p:cNvPr id="27" name="图片 26">
-            <a:extLst>
-              <a:ext uri="{FF2B5EF4-FFF2-40B4-BE49-F238E27FC236}">
-                <a16:creationId xmlns:a16="http://schemas.microsoft.com/office/drawing/2014/main" id="{90299217-51D7-A7A8-DB79-002E894075FE}"/>
-              </a:ext>
-            </a:extLst>
-          </p:cNvPr>
-          <p:cNvPicPr>
-            <a:picLocks noChangeAspect="1"/>
-          </p:cNvPicPr>
-          <p:nvPr/>
-        </p:nvPicPr>
-        <p:blipFill>
-          <a:blip r:embed="rId5"/>
-          <a:stretch>
-            <a:fillRect/>
-          </a:stretch>
-        </p:blipFill>
-        <p:spPr>
-          <a:xfrm>
-            <a:off x="5908661" y="2042842"/>
-            <a:ext cx="1571991" cy="1707083"/>
-          </a:xfrm>
-          <a:prstGeom prst="rect">
-            <a:avLst/>
-          </a:prstGeom>
-        </p:spPr>
-      </p:pic>
-      <p:pic>
-        <p:nvPicPr>
-          <p:cNvPr id="11" name="图片 10">
-            <a:extLst>
-              <a:ext uri="{FF2B5EF4-FFF2-40B4-BE49-F238E27FC236}">
-                <a16:creationId xmlns:a16="http://schemas.microsoft.com/office/drawing/2014/main" id="{1F2B4E3D-65C4-42A0-7392-4BE14391B8F4}"/>
-              </a:ext>
-            </a:extLst>
-          </p:cNvPr>
-          <p:cNvPicPr>
-            <a:picLocks noChangeAspect="1"/>
-          </p:cNvPicPr>
-          <p:nvPr/>
-        </p:nvPicPr>
-        <p:blipFill>
-          <a:blip r:embed="rId6"/>
-          <a:stretch>
-            <a:fillRect/>
-          </a:stretch>
-        </p:blipFill>
-        <p:spPr>
-          <a:xfrm>
-            <a:off x="3218223" y="545717"/>
-            <a:ext cx="2493940" cy="3265448"/>
-          </a:xfrm>
-          <a:prstGeom prst="rect">
-            <a:avLst/>
-          </a:prstGeom>
-        </p:spPr>
-      </p:pic>
-      <p:sp>
-        <p:nvSpPr>
-          <p:cNvPr id="2" name="文本框 1">
-            <a:extLst>
-              <a:ext uri="{FF2B5EF4-FFF2-40B4-BE49-F238E27FC236}">
-                <a16:creationId xmlns:a16="http://schemas.microsoft.com/office/drawing/2014/main" id="{2C0478E1-4817-5163-35C7-DAF68079B9E3}"/>
-              </a:ext>
-            </a:extLst>
-          </p:cNvPr>
-          <p:cNvSpPr txBox="1"/>
-          <p:nvPr/>
-        </p:nvSpPr>
-        <p:spPr>
-          <a:xfrm>
-            <a:off x="8352487" y="3513304"/>
-            <a:ext cx="2430504" cy="369332"/>
-          </a:xfrm>
-          <a:prstGeom prst="rect">
-            <a:avLst/>
-          </a:prstGeom>
-          <a:noFill/>
-        </p:spPr>
-        <p:txBody>
-          <a:bodyPr wrap="square" rtlCol="0">
-            <a:spAutoFit/>
-          </a:bodyPr>
-          <a:lstStyle/>
-          <a:p>
-            <a:r>
-              <a:rPr lang="en-US" altLang="zh-CN" b="1" i="1" dirty="0"/>
-              <a:t>William &amp; Beer, 2010</a:t>
-            </a:r>
-            <a:endParaRPr lang="zh-CN" altLang="en-US" b="1" i="1" dirty="0"/>
-          </a:p>
-        </p:txBody>
-      </p:sp>
     </p:spTree>
     <p:extLst>
       <p:ext uri="{BB962C8B-B14F-4D97-AF65-F5344CB8AC3E}">
